--- a/AutoEncoder_Abnormal_Detecting/20210728 AutoEncoder(4)_박태정.pptx
+++ b/AutoEncoder_Abnormal_Detecting/20210728 AutoEncoder(4)_박태정.pptx
@@ -6,10 +6,10 @@
     <p:sldMasterId id="2147483650" r:id="rId2"/>
   </p:sldMasterIdLst>
   <p:notesMasterIdLst>
-    <p:notesMasterId r:id="rId14"/>
+    <p:notesMasterId r:id="rId15"/>
   </p:notesMasterIdLst>
   <p:handoutMasterIdLst>
-    <p:handoutMasterId r:id="rId15"/>
+    <p:handoutMasterId r:id="rId16"/>
   </p:handoutMasterIdLst>
   <p:sldIdLst>
     <p:sldId id="478" r:id="rId3"/>
@@ -23,6 +23,7 @@
     <p:sldId id="1617" r:id="rId11"/>
     <p:sldId id="1618" r:id="rId12"/>
     <p:sldId id="1616" r:id="rId13"/>
+    <p:sldId id="1619" r:id="rId14"/>
   </p:sldIdLst>
   <p:sldSz cx="9144000" cy="6858000" type="screen4x3"/>
   <p:notesSz cx="9799638" cy="6735763"/>
@@ -9450,6 +9451,567 @@
     <p:extLst>
       <p:ext uri="{BB962C8B-B14F-4D97-AF65-F5344CB8AC3E}">
         <p14:creationId xmlns:p14="http://schemas.microsoft.com/office/powerpoint/2010/main" val="2584239393"/>
+      </p:ext>
+    </p:extLst>
+  </p:cSld>
+  <p:clrMapOvr>
+    <a:masterClrMapping/>
+  </p:clrMapOvr>
+</p:sld>
+</file>
+
+<file path=ppt/slides/slide12.xml><?xml version="1.0" encoding="utf-8"?>
+<p:sld xmlns:a="http://schemas.openxmlformats.org/drawingml/2006/main" xmlns:r="http://schemas.openxmlformats.org/officeDocument/2006/relationships" xmlns:p="http://schemas.openxmlformats.org/presentationml/2006/main">
+  <p:cSld>
+    <p:spTree>
+      <p:nvGrpSpPr>
+        <p:cNvPr id="1" name=""/>
+        <p:cNvGrpSpPr/>
+        <p:nvPr/>
+      </p:nvGrpSpPr>
+      <p:grpSpPr>
+        <a:xfrm>
+          <a:off x="0" y="0"/>
+          <a:ext cx="0" cy="0"/>
+          <a:chOff x="0" y="0"/>
+          <a:chExt cx="0" cy="0"/>
+        </a:xfrm>
+      </p:grpSpPr>
+      <p:sp>
+        <p:nvSpPr>
+          <p:cNvPr id="2" name="제목 1"/>
+          <p:cNvSpPr>
+            <a:spLocks noGrp="1"/>
+          </p:cNvSpPr>
+          <p:nvPr>
+            <p:ph type="title"/>
+          </p:nvPr>
+        </p:nvSpPr>
+        <p:spPr/>
+        <p:txBody>
+          <a:bodyPr/>
+          <a:lstStyle/>
+          <a:p>
+            <a:r>
+              <a:rPr lang="en-US" altLang="ko-KR" dirty="0"/>
+              <a:t>Reference</a:t>
+            </a:r>
+          </a:p>
+        </p:txBody>
+      </p:sp>
+      <p:sp>
+        <p:nvSpPr>
+          <p:cNvPr id="3" name="슬라이드 번호 개체 틀 2"/>
+          <p:cNvSpPr>
+            <a:spLocks noGrp="1"/>
+          </p:cNvSpPr>
+          <p:nvPr>
+            <p:ph type="sldNum" sz="quarter" idx="10"/>
+          </p:nvPr>
+        </p:nvSpPr>
+        <p:spPr/>
+        <p:txBody>
+          <a:bodyPr/>
+          <a:lstStyle/>
+          <a:p>
+            <a:fld id="{E2DCC426-90DC-4500-A524-BCDD2488F80E}" type="slidenum">
+              <a:rPr lang="ko-KR" altLang="en-US" smtClean="0"/>
+              <a:pPr/>
+              <a:t>12</a:t>
+            </a:fld>
+            <a:endParaRPr lang="ko-KR" altLang="en-US" dirty="0"/>
+          </a:p>
+        </p:txBody>
+      </p:sp>
+      <p:sp>
+        <p:nvSpPr>
+          <p:cNvPr id="5" name="텍스트 개체 틀 3">
+            <a:extLst>
+              <a:ext uri="{FF2B5EF4-FFF2-40B4-BE49-F238E27FC236}">
+                <a16:creationId xmlns:a16="http://schemas.microsoft.com/office/drawing/2014/main" id="{6AD3AAD7-5520-5D4F-91B4-AF1DA594AF77}"/>
+              </a:ext>
+            </a:extLst>
+          </p:cNvPr>
+          <p:cNvSpPr txBox="1">
+            <a:spLocks/>
+          </p:cNvSpPr>
+          <p:nvPr/>
+        </p:nvSpPr>
+        <p:spPr bwMode="auto">
+          <a:xfrm>
+            <a:off x="323528" y="1052736"/>
+            <a:ext cx="8529404" cy="5256584"/>
+          </a:xfrm>
+          <a:prstGeom prst="rect">
+            <a:avLst/>
+          </a:prstGeom>
+          <a:noFill/>
+          <a:ln>
+            <a:noFill/>
+          </a:ln>
+          <a:effectLst>
+            <a:outerShdw blurRad="63500" algn="ctr" rotWithShape="0">
+              <a:schemeClr val="bg1"/>
+            </a:outerShdw>
+          </a:effectLst>
+          <a:extLst>
+            <a:ext uri="{909E8E84-426E-40DD-AFC4-6F175D3DCCD1}">
+              <a14:hiddenFill xmlns:a14="http://schemas.microsoft.com/office/drawing/2010/main">
+                <a:solidFill>
+                  <a:srgbClr val="FFFFFF"/>
+                </a:solidFill>
+              </a14:hiddenFill>
+            </a:ext>
+            <a:ext uri="{91240B29-F687-4F45-9708-019B960494DF}">
+              <a14:hiddenLine xmlns:a14="http://schemas.microsoft.com/office/drawing/2010/main" w="9525">
+                <a:solidFill>
+                  <a:srgbClr val="000000"/>
+                </a:solidFill>
+                <a:miter lim="800000"/>
+                <a:headEnd/>
+                <a:tailEnd/>
+              </a14:hiddenLine>
+            </a:ext>
+          </a:extLst>
+        </p:spPr>
+        <p:txBody>
+          <a:bodyPr vert="horz" wrap="square" lIns="91440" tIns="45720" rIns="91440" bIns="45720" numCol="1" anchor="t" anchorCtr="0" compatLnSpc="1">
+            <a:prstTxWarp prst="textNoShape">
+              <a:avLst/>
+            </a:prstTxWarp>
+          </a:bodyPr>
+          <a:lstStyle>
+            <a:lvl1pPr marL="269875" indent="-269875" algn="l" rtl="0" eaLnBrk="0" fontAlgn="base" latinLnBrk="1" hangingPunct="0">
+              <a:spcBef>
+                <a:spcPct val="20000"/>
+              </a:spcBef>
+              <a:spcAft>
+                <a:spcPct val="0"/>
+              </a:spcAft>
+              <a:buSzPct val="65000"/>
+              <a:buFontTx/>
+              <a:buBlip>
+                <a:blip r:embed="rId2"/>
+              </a:buBlip>
+              <a:defRPr kumimoji="1" sz="2400" baseline="0">
+                <a:gradFill>
+                  <a:gsLst>
+                    <a:gs pos="0">
+                      <a:srgbClr val="051453"/>
+                    </a:gs>
+                    <a:gs pos="78000">
+                      <a:srgbClr val="051453"/>
+                    </a:gs>
+                  </a:gsLst>
+                  <a:lin ang="5400000" scaled="0"/>
+                </a:gradFill>
+                <a:effectLst>
+                  <a:outerShdw blurRad="63500" algn="ctr" rotWithShape="0">
+                    <a:schemeClr val="bg1"/>
+                  </a:outerShdw>
+                </a:effectLst>
+                <a:latin typeface="Times New Roman" panose="02020603050405020304" pitchFamily="18" charset="0"/>
+                <a:ea typeface="HY견고딕" pitchFamily="18" charset="-127"/>
+                <a:cs typeface="+mn-cs"/>
+              </a:defRPr>
+            </a:lvl1pPr>
+            <a:lvl2pPr marL="541338" indent="-271463" algn="l" rtl="0" eaLnBrk="0" fontAlgn="base" latinLnBrk="1" hangingPunct="0">
+              <a:spcBef>
+                <a:spcPct val="20000"/>
+              </a:spcBef>
+              <a:spcAft>
+                <a:spcPct val="0"/>
+              </a:spcAft>
+              <a:buSzPct val="75000"/>
+              <a:buFontTx/>
+              <a:buBlip>
+                <a:blip r:embed="rId3"/>
+              </a:buBlip>
+              <a:defRPr kumimoji="1" sz="2000" baseline="0">
+                <a:gradFill>
+                  <a:gsLst>
+                    <a:gs pos="0">
+                      <a:srgbClr val="044F82"/>
+                    </a:gs>
+                    <a:gs pos="78000">
+                      <a:srgbClr val="044F82"/>
+                    </a:gs>
+                  </a:gsLst>
+                  <a:lin ang="5400000" scaled="0"/>
+                </a:gradFill>
+                <a:effectLst>
+                  <a:outerShdw blurRad="63500" algn="ctr" rotWithShape="0">
+                    <a:schemeClr val="bg1"/>
+                  </a:outerShdw>
+                </a:effectLst>
+                <a:latin typeface="Times New Roman" panose="02020603050405020304" pitchFamily="18" charset="0"/>
+                <a:ea typeface="HY견고딕" pitchFamily="18" charset="-127"/>
+              </a:defRPr>
+            </a:lvl2pPr>
+            <a:lvl3pPr marL="809625" indent="-269875" algn="l" rtl="0" eaLnBrk="0" fontAlgn="base" latinLnBrk="1" hangingPunct="0">
+              <a:spcBef>
+                <a:spcPct val="20000"/>
+              </a:spcBef>
+              <a:spcAft>
+                <a:spcPct val="0"/>
+              </a:spcAft>
+              <a:buFont typeface="HY견고딕" pitchFamily="18" charset="-127"/>
+              <a:buChar char="-"/>
+              <a:defRPr kumimoji="1" sz="1800" baseline="0">
+                <a:gradFill>
+                  <a:gsLst>
+                    <a:gs pos="0">
+                      <a:schemeClr val="tx1">
+                        <a:lumMod val="75000"/>
+                        <a:lumOff val="25000"/>
+                      </a:schemeClr>
+                    </a:gs>
+                    <a:gs pos="78000">
+                      <a:schemeClr val="tx1">
+                        <a:lumMod val="75000"/>
+                        <a:lumOff val="25000"/>
+                      </a:schemeClr>
+                    </a:gs>
+                  </a:gsLst>
+                  <a:lin ang="5400000" scaled="0"/>
+                </a:gradFill>
+                <a:effectLst>
+                  <a:outerShdw blurRad="63500" algn="ctr" rotWithShape="0">
+                    <a:schemeClr val="bg1"/>
+                  </a:outerShdw>
+                </a:effectLst>
+                <a:latin typeface="Times New Roman" panose="02020603050405020304" pitchFamily="18" charset="0"/>
+                <a:ea typeface="HY견고딕" pitchFamily="18" charset="-127"/>
+              </a:defRPr>
+            </a:lvl3pPr>
+            <a:lvl4pPr marL="1080000" indent="-228600" algn="l" rtl="0" eaLnBrk="0" fontAlgn="base" latinLnBrk="1" hangingPunct="0">
+              <a:spcBef>
+                <a:spcPct val="20000"/>
+              </a:spcBef>
+              <a:spcAft>
+                <a:spcPct val="0"/>
+              </a:spcAft>
+              <a:buChar char="–"/>
+              <a:defRPr kumimoji="1" sz="1600" baseline="0">
+                <a:solidFill>
+                  <a:schemeClr val="tx1"/>
+                </a:solidFill>
+                <a:effectLst>
+                  <a:outerShdw blurRad="63500" algn="ctr" rotWithShape="0">
+                    <a:schemeClr val="bg1"/>
+                  </a:outerShdw>
+                </a:effectLst>
+                <a:latin typeface="Times New Roman" panose="02020603050405020304" pitchFamily="18" charset="0"/>
+                <a:ea typeface="HY견고딕" pitchFamily="18" charset="-127"/>
+              </a:defRPr>
+            </a:lvl4pPr>
+            <a:lvl5pPr marL="1260000" indent="-228600" algn="l" rtl="0" eaLnBrk="0" fontAlgn="base" latinLnBrk="1" hangingPunct="0">
+              <a:spcBef>
+                <a:spcPct val="20000"/>
+              </a:spcBef>
+              <a:spcAft>
+                <a:spcPct val="0"/>
+              </a:spcAft>
+              <a:buChar char="»"/>
+              <a:defRPr kumimoji="1" sz="1600" baseline="0">
+                <a:solidFill>
+                  <a:schemeClr val="tx1"/>
+                </a:solidFill>
+                <a:effectLst>
+                  <a:outerShdw blurRad="63500" algn="ctr" rotWithShape="0">
+                    <a:schemeClr val="bg1"/>
+                  </a:outerShdw>
+                </a:effectLst>
+                <a:latin typeface="Times New Roman" panose="02020603050405020304" pitchFamily="18" charset="0"/>
+                <a:ea typeface="HY견고딕" pitchFamily="18" charset="-127"/>
+              </a:defRPr>
+            </a:lvl5pPr>
+            <a:lvl6pPr marL="2514600" indent="-228600" algn="l" rtl="0" fontAlgn="base" latinLnBrk="1">
+              <a:spcBef>
+                <a:spcPct val="20000"/>
+              </a:spcBef>
+              <a:spcAft>
+                <a:spcPct val="0"/>
+              </a:spcAft>
+              <a:buChar char="»"/>
+              <a:defRPr kumimoji="1" sz="1600">
+                <a:solidFill>
+                  <a:schemeClr val="tx1"/>
+                </a:solidFill>
+                <a:latin typeface="+mn-lt"/>
+                <a:ea typeface="+mn-ea"/>
+              </a:defRPr>
+            </a:lvl6pPr>
+            <a:lvl7pPr marL="2971800" indent="-228600" algn="l" rtl="0" fontAlgn="base" latinLnBrk="1">
+              <a:spcBef>
+                <a:spcPct val="20000"/>
+              </a:spcBef>
+              <a:spcAft>
+                <a:spcPct val="0"/>
+              </a:spcAft>
+              <a:buChar char="»"/>
+              <a:defRPr kumimoji="1" sz="1600">
+                <a:solidFill>
+                  <a:schemeClr val="tx1"/>
+                </a:solidFill>
+                <a:latin typeface="+mn-lt"/>
+                <a:ea typeface="+mn-ea"/>
+              </a:defRPr>
+            </a:lvl7pPr>
+            <a:lvl8pPr marL="3429000" indent="-228600" algn="l" rtl="0" fontAlgn="base" latinLnBrk="1">
+              <a:spcBef>
+                <a:spcPct val="20000"/>
+              </a:spcBef>
+              <a:spcAft>
+                <a:spcPct val="0"/>
+              </a:spcAft>
+              <a:buChar char="»"/>
+              <a:defRPr kumimoji="1" sz="1600">
+                <a:solidFill>
+                  <a:schemeClr val="tx1"/>
+                </a:solidFill>
+                <a:latin typeface="+mn-lt"/>
+                <a:ea typeface="+mn-ea"/>
+              </a:defRPr>
+            </a:lvl8pPr>
+            <a:lvl9pPr marL="3886200" indent="-228600" algn="l" rtl="0" fontAlgn="base" latinLnBrk="1">
+              <a:spcBef>
+                <a:spcPct val="20000"/>
+              </a:spcBef>
+              <a:spcAft>
+                <a:spcPct val="0"/>
+              </a:spcAft>
+              <a:buChar char="»"/>
+              <a:defRPr kumimoji="1" sz="1600">
+                <a:solidFill>
+                  <a:schemeClr val="tx1"/>
+                </a:solidFill>
+                <a:latin typeface="+mn-lt"/>
+                <a:ea typeface="+mn-ea"/>
+              </a:defRPr>
+            </a:lvl9pPr>
+          </a:lstStyle>
+          <a:p>
+            <a:pPr marL="269875" lvl="1" indent="0">
+              <a:buNone/>
+            </a:pPr>
+            <a:r>
+              <a:rPr lang="en-US" altLang="ko-KR" kern="0" dirty="0">
+                <a:hlinkClick r:id="rId4"/>
+              </a:rPr>
+              <a:t>https://github.com/Xenia101/Network-Anomaly-Detection-System</a:t>
+            </a:r>
+            <a:endParaRPr lang="en-US" altLang="ko-KR" kern="0" dirty="0"/>
+          </a:p>
+          <a:p>
+            <a:pPr marL="269875" lvl="1" indent="0">
+              <a:buNone/>
+            </a:pPr>
+            <a:r>
+              <a:rPr lang="en-US" altLang="ko-KR" kern="0" dirty="0"/>
+              <a:t>	</a:t>
+            </a:r>
+            <a:r>
+              <a:rPr lang="ko-KR" altLang="en-US" kern="0" dirty="0"/>
+              <a:t>정규화 </a:t>
+            </a:r>
+            <a:r>
+              <a:rPr lang="en-US" altLang="ko-KR" kern="0" dirty="0"/>
+              <a:t>,</a:t>
+            </a:r>
+            <a:r>
+              <a:rPr lang="ko-KR" altLang="en-US" kern="0" dirty="0"/>
+              <a:t> </a:t>
+            </a:r>
+            <a:r>
+              <a:rPr lang="en-US" altLang="ko-KR" kern="0" dirty="0"/>
+              <a:t>random forest classification </a:t>
+            </a:r>
+            <a:r>
+              <a:rPr lang="ko-KR" altLang="en-US" kern="0" dirty="0"/>
+              <a:t>제시</a:t>
+            </a:r>
+            <a:endParaRPr lang="en-US" altLang="ko-KR" kern="0" dirty="0"/>
+          </a:p>
+          <a:p>
+            <a:pPr marL="269875" lvl="1" indent="0">
+              <a:buNone/>
+            </a:pPr>
+            <a:endParaRPr lang="en-US" altLang="ko-KR" kern="0" dirty="0"/>
+          </a:p>
+          <a:p>
+            <a:pPr marL="269875" lvl="1" indent="0">
+              <a:buNone/>
+            </a:pPr>
+            <a:r>
+              <a:rPr lang="en-US" altLang="ko-KR" kern="0" dirty="0">
+                <a:hlinkClick r:id="rId5"/>
+              </a:rPr>
+              <a:t>https://m.blog.naver.com/PostView.naver?isHttpsRedirect=true&amp;blogId=demian7607&amp;logNo=222009975984</a:t>
+            </a:r>
+            <a:endParaRPr lang="en-US" altLang="ko-KR" kern="0" dirty="0"/>
+          </a:p>
+          <a:p>
+            <a:pPr marL="269875" lvl="1" indent="0">
+              <a:buNone/>
+            </a:pPr>
+            <a:r>
+              <a:rPr lang="en-US" altLang="ko-KR" kern="0" dirty="0"/>
+              <a:t>	</a:t>
+            </a:r>
+            <a:r>
+              <a:rPr lang="ko-KR" altLang="en-US" kern="0" dirty="0" err="1"/>
+              <a:t>싸이킷런</a:t>
+            </a:r>
+            <a:r>
+              <a:rPr lang="ko-KR" altLang="en-US" kern="0" dirty="0"/>
+              <a:t> </a:t>
+            </a:r>
+            <a:r>
+              <a:rPr lang="en-US" altLang="ko-KR" kern="0" dirty="0" err="1"/>
+              <a:t>Standart</a:t>
+            </a:r>
+            <a:r>
+              <a:rPr lang="en-US" altLang="ko-KR" kern="0" dirty="0"/>
+              <a:t> Scaler </a:t>
+            </a:r>
+            <a:r>
+              <a:rPr lang="ko-KR" altLang="en-US" kern="0" dirty="0"/>
+              <a:t>제시 </a:t>
+            </a:r>
+            <a:endParaRPr lang="en-US" altLang="ko-KR" kern="0" dirty="0"/>
+          </a:p>
+          <a:p>
+            <a:pPr marL="269875" lvl="1" indent="0">
+              <a:buNone/>
+            </a:pPr>
+            <a:endParaRPr lang="en-US" altLang="ko-KR" kern="0" dirty="0"/>
+          </a:p>
+          <a:p>
+            <a:pPr marL="269875" lvl="1" indent="0">
+              <a:buNone/>
+            </a:pPr>
+            <a:r>
+              <a:rPr lang="en-US" altLang="ko-KR" kern="0" dirty="0">
+                <a:hlinkClick r:id="rId6"/>
+              </a:rPr>
+              <a:t>https://tjansry354.tistory.com/9</a:t>
+            </a:r>
+            <a:endParaRPr lang="en-US" altLang="ko-KR" kern="0" dirty="0"/>
+          </a:p>
+          <a:p>
+            <a:pPr marL="269875" lvl="1" indent="0">
+              <a:buNone/>
+            </a:pPr>
+            <a:r>
+              <a:rPr lang="en-US" altLang="ko-KR" kern="0" dirty="0"/>
+              <a:t>	</a:t>
+            </a:r>
+            <a:r>
+              <a:rPr lang="ko-KR" altLang="en-US" kern="0" dirty="0"/>
+              <a:t>데이터 상관관계 </a:t>
+            </a:r>
+            <a:endParaRPr lang="en-US" altLang="ko-KR" kern="0" dirty="0"/>
+          </a:p>
+          <a:p>
+            <a:pPr marL="269875" lvl="1" indent="0">
+              <a:buNone/>
+            </a:pPr>
+            <a:endParaRPr lang="en-US" altLang="ko-KR" kern="0" dirty="0"/>
+          </a:p>
+          <a:p>
+            <a:pPr marL="269875" lvl="1" indent="0">
+              <a:buNone/>
+            </a:pPr>
+            <a:r>
+              <a:rPr lang="ko-KR" altLang="en-US" kern="0" dirty="0"/>
+              <a:t>네트워크 트래픽 이상징후 </a:t>
+            </a:r>
+            <a:r>
+              <a:rPr lang="ko-KR" altLang="en-US" kern="0" dirty="0" err="1"/>
+              <a:t>탐지율</a:t>
+            </a:r>
+            <a:r>
+              <a:rPr lang="ko-KR" altLang="en-US" kern="0" dirty="0"/>
+              <a:t> 향상을 위한 </a:t>
+            </a:r>
+            <a:r>
+              <a:rPr lang="ko-KR" altLang="en-US" kern="0" dirty="0" err="1"/>
+              <a:t>자기지도</a:t>
+            </a:r>
+            <a:r>
+              <a:rPr lang="ko-KR" altLang="en-US" kern="0" dirty="0"/>
+              <a:t> 학습 기반의 </a:t>
+            </a:r>
+            <a:r>
+              <a:rPr lang="ko-KR" altLang="en-US" kern="0" dirty="0" err="1"/>
+              <a:t>오토인코더</a:t>
+            </a:r>
+            <a:r>
+              <a:rPr lang="ko-KR" altLang="en-US" kern="0" dirty="0"/>
+              <a:t> 최적화 연구 </a:t>
+            </a:r>
+            <a:r>
+              <a:rPr lang="en-US" altLang="ko-KR" kern="0" dirty="0"/>
+              <a:t>–</a:t>
+            </a:r>
+            <a:r>
+              <a:rPr lang="ko-KR" altLang="en-US" kern="0" dirty="0"/>
+              <a:t> 서울대학교 논문 </a:t>
+            </a:r>
+            <a:endParaRPr lang="en-US" altLang="ko-KR" kern="0" dirty="0"/>
+          </a:p>
+          <a:p>
+            <a:pPr marL="269875" lvl="1" indent="0">
+              <a:buNone/>
+            </a:pPr>
+            <a:endParaRPr lang="en-US" altLang="ko-KR" kern="0" dirty="0"/>
+          </a:p>
+          <a:p>
+            <a:pPr marL="269875" lvl="1" indent="0">
+              <a:buNone/>
+            </a:pPr>
+            <a:r>
+              <a:rPr lang="en-US" altLang="ko-KR" kern="0" dirty="0"/>
+              <a:t>	</a:t>
+            </a:r>
+          </a:p>
+          <a:p>
+            <a:pPr marL="269875" lvl="1" indent="0">
+              <a:buNone/>
+            </a:pPr>
+            <a:endParaRPr lang="en-US" altLang="ko-KR" kern="0" dirty="0"/>
+          </a:p>
+          <a:p>
+            <a:pPr lvl="2"/>
+            <a:endParaRPr lang="en-US" altLang="ko-KR" kern="0" dirty="0"/>
+          </a:p>
+          <a:p>
+            <a:pPr lvl="2"/>
+            <a:endParaRPr lang="en-US" altLang="ko-KR" kern="0" dirty="0"/>
+          </a:p>
+          <a:p>
+            <a:pPr lvl="2"/>
+            <a:endParaRPr lang="en-US" altLang="ko-KR" kern="0" dirty="0"/>
+          </a:p>
+          <a:p>
+            <a:pPr lvl="2"/>
+            <a:endParaRPr lang="en-US" altLang="ko-KR" kern="0" dirty="0"/>
+          </a:p>
+          <a:p>
+            <a:pPr lvl="2"/>
+            <a:endParaRPr lang="en-US" altLang="ko-KR" kern="0" dirty="0"/>
+          </a:p>
+          <a:p>
+            <a:pPr lvl="2"/>
+            <a:endParaRPr lang="en-US" altLang="ko-KR" kern="0" dirty="0"/>
+          </a:p>
+        </p:txBody>
+      </p:sp>
+    </p:spTree>
+    <p:extLst>
+      <p:ext uri="{BB962C8B-B14F-4D97-AF65-F5344CB8AC3E}">
+        <p14:creationId xmlns:p14="http://schemas.microsoft.com/office/powerpoint/2010/main" val="1314702999"/>
       </p:ext>
     </p:extLst>
   </p:cSld>
